--- a/zu.pptx
+++ b/zu.pptx
@@ -270,7 +270,7 @@
           <a:p>
             <a:fld id="{1CB7560D-A852-9B4B-AB78-3EBD1FF5CAE1}" type="datetimeFigureOut">
               <a:rPr kumimoji="1" lang="ja-JP" altLang="en-US" smtClean="0"/>
-              <a:t>2021/8/7</a:t>
+              <a:t>2021/8/10</a:t>
             </a:fld>
             <a:endParaRPr kumimoji="1" lang="ja-JP" altLang="en-US"/>
           </a:p>
@@ -500,7 +500,7 @@
           <a:p>
             <a:fld id="{1CB7560D-A852-9B4B-AB78-3EBD1FF5CAE1}" type="datetimeFigureOut">
               <a:rPr kumimoji="1" lang="ja-JP" altLang="en-US" smtClean="0"/>
-              <a:t>2021/8/7</a:t>
+              <a:t>2021/8/10</a:t>
             </a:fld>
             <a:endParaRPr kumimoji="1" lang="ja-JP" altLang="en-US"/>
           </a:p>
@@ -740,7 +740,7 @@
           <a:p>
             <a:fld id="{1CB7560D-A852-9B4B-AB78-3EBD1FF5CAE1}" type="datetimeFigureOut">
               <a:rPr kumimoji="1" lang="ja-JP" altLang="en-US" smtClean="0"/>
-              <a:t>2021/8/7</a:t>
+              <a:t>2021/8/10</a:t>
             </a:fld>
             <a:endParaRPr kumimoji="1" lang="ja-JP" altLang="en-US"/>
           </a:p>
@@ -970,7 +970,7 @@
           <a:p>
             <a:fld id="{1CB7560D-A852-9B4B-AB78-3EBD1FF5CAE1}" type="datetimeFigureOut">
               <a:rPr kumimoji="1" lang="ja-JP" altLang="en-US" smtClean="0"/>
-              <a:t>2021/8/7</a:t>
+              <a:t>2021/8/10</a:t>
             </a:fld>
             <a:endParaRPr kumimoji="1" lang="ja-JP" altLang="en-US"/>
           </a:p>
@@ -1245,7 +1245,7 @@
           <a:p>
             <a:fld id="{1CB7560D-A852-9B4B-AB78-3EBD1FF5CAE1}" type="datetimeFigureOut">
               <a:rPr kumimoji="1" lang="ja-JP" altLang="en-US" smtClean="0"/>
-              <a:t>2021/8/7</a:t>
+              <a:t>2021/8/10</a:t>
             </a:fld>
             <a:endParaRPr kumimoji="1" lang="ja-JP" altLang="en-US"/>
           </a:p>
@@ -1574,7 +1574,7 @@
           <a:p>
             <a:fld id="{1CB7560D-A852-9B4B-AB78-3EBD1FF5CAE1}" type="datetimeFigureOut">
               <a:rPr kumimoji="1" lang="ja-JP" altLang="en-US" smtClean="0"/>
-              <a:t>2021/8/7</a:t>
+              <a:t>2021/8/10</a:t>
             </a:fld>
             <a:endParaRPr kumimoji="1" lang="ja-JP" altLang="en-US"/>
           </a:p>
@@ -2050,7 +2050,7 @@
           <a:p>
             <a:fld id="{1CB7560D-A852-9B4B-AB78-3EBD1FF5CAE1}" type="datetimeFigureOut">
               <a:rPr kumimoji="1" lang="ja-JP" altLang="en-US" smtClean="0"/>
-              <a:t>2021/8/7</a:t>
+              <a:t>2021/8/10</a:t>
             </a:fld>
             <a:endParaRPr kumimoji="1" lang="ja-JP" altLang="en-US"/>
           </a:p>
@@ -2191,7 +2191,7 @@
           <a:p>
             <a:fld id="{1CB7560D-A852-9B4B-AB78-3EBD1FF5CAE1}" type="datetimeFigureOut">
               <a:rPr kumimoji="1" lang="ja-JP" altLang="en-US" smtClean="0"/>
-              <a:t>2021/8/7</a:t>
+              <a:t>2021/8/10</a:t>
             </a:fld>
             <a:endParaRPr kumimoji="1" lang="ja-JP" altLang="en-US"/>
           </a:p>
@@ -2304,7 +2304,7 @@
           <a:p>
             <a:fld id="{1CB7560D-A852-9B4B-AB78-3EBD1FF5CAE1}" type="datetimeFigureOut">
               <a:rPr kumimoji="1" lang="ja-JP" altLang="en-US" smtClean="0"/>
-              <a:t>2021/8/7</a:t>
+              <a:t>2021/8/10</a:t>
             </a:fld>
             <a:endParaRPr kumimoji="1" lang="ja-JP" altLang="en-US"/>
           </a:p>
@@ -2647,7 +2647,7 @@
           <a:p>
             <a:fld id="{1CB7560D-A852-9B4B-AB78-3EBD1FF5CAE1}" type="datetimeFigureOut">
               <a:rPr kumimoji="1" lang="ja-JP" altLang="en-US" smtClean="0"/>
-              <a:t>2021/8/7</a:t>
+              <a:t>2021/8/10</a:t>
             </a:fld>
             <a:endParaRPr kumimoji="1" lang="ja-JP" altLang="en-US"/>
           </a:p>
@@ -2935,7 +2935,7 @@
           <a:p>
             <a:fld id="{1CB7560D-A852-9B4B-AB78-3EBD1FF5CAE1}" type="datetimeFigureOut">
               <a:rPr kumimoji="1" lang="ja-JP" altLang="en-US" smtClean="0"/>
-              <a:t>2021/8/7</a:t>
+              <a:t>2021/8/10</a:t>
             </a:fld>
             <a:endParaRPr kumimoji="1" lang="ja-JP" altLang="en-US"/>
           </a:p>
@@ -3208,7 +3208,7 @@
           <a:p>
             <a:fld id="{1CB7560D-A852-9B4B-AB78-3EBD1FF5CAE1}" type="datetimeFigureOut">
               <a:rPr kumimoji="1" lang="ja-JP" altLang="en-US" smtClean="0"/>
-              <a:t>2021/8/7</a:t>
+              <a:t>2021/8/10</a:t>
             </a:fld>
             <a:endParaRPr kumimoji="1" lang="ja-JP" altLang="en-US"/>
           </a:p>
@@ -3854,7 +3854,11 @@
           <a:prstGeom prst="rect">
             <a:avLst/>
           </a:prstGeom>
-          <a:noFill/>
+          <a:solidFill>
+            <a:srgbClr val="FFFFFF">
+              <a:alpha val="75000"/>
+            </a:srgbClr>
+          </a:solidFill>
         </p:spPr>
         <p:txBody>
           <a:bodyPr wrap="none" rtlCol="0">
@@ -3864,8 +3868,11 @@
           <a:p>
             <a:r>
               <a:rPr kumimoji="1" lang="ja-JP" altLang="en-US">
+                <a:ln w="6350">
+                  <a:noFill/>
+                </a:ln>
                 <a:solidFill>
-                  <a:schemeClr val="accent1"/>
+                  <a:srgbClr val="292D78"/>
                 </a:solidFill>
                 <a:latin typeface="FOT-ModeMinBLarge Pro M" panose="02020400000000000000" pitchFamily="18" charset="-128"/>
                 <a:ea typeface="FOT-ModeMinBLarge Pro M" panose="02020400000000000000" pitchFamily="18" charset="-128"/>
@@ -3895,7 +3902,11 @@
           <a:prstGeom prst="rect">
             <a:avLst/>
           </a:prstGeom>
-          <a:noFill/>
+          <a:solidFill>
+            <a:srgbClr val="FFFFFF">
+              <a:alpha val="75000"/>
+            </a:srgbClr>
+          </a:solidFill>
         </p:spPr>
         <p:txBody>
           <a:bodyPr wrap="none" rtlCol="0">
@@ -3905,8 +3916,11 @@
           <a:p>
             <a:r>
               <a:rPr kumimoji="1" lang="en-US" altLang="ja-JP" dirty="0">
+                <a:ln w="6350">
+                  <a:noFill/>
+                </a:ln>
                 <a:solidFill>
-                  <a:schemeClr val="accent1"/>
+                  <a:srgbClr val="292D78"/>
                 </a:solidFill>
                 <a:latin typeface="Palatino" pitchFamily="2" charset="0"/>
                 <a:ea typeface="Palatino" pitchFamily="2" charset="0"/>
@@ -3914,8 +3928,121 @@
               <a:t>50 %</a:t>
             </a:r>
             <a:endParaRPr kumimoji="1" lang="ja-JP" altLang="en-US">
+              <a:ln w="6350">
+                <a:noFill/>
+              </a:ln>
               <a:solidFill>
-                <a:schemeClr val="accent1"/>
+                <a:srgbClr val="292D78"/>
+              </a:solidFill>
+              <a:latin typeface="Palatino" pitchFamily="2" charset="0"/>
+              <a:ea typeface="FOT-ModeMinB Std B" panose="02020700000000000000" pitchFamily="18" charset="-128"/>
+            </a:endParaRPr>
+          </a:p>
+        </p:txBody>
+      </p:sp>
+      <p:sp>
+        <p:nvSpPr>
+          <p:cNvPr id="2" name="正方形/長方形 1">
+            <a:extLst>
+              <a:ext uri="{FF2B5EF4-FFF2-40B4-BE49-F238E27FC236}">
+                <a16:creationId xmlns:a16="http://schemas.microsoft.com/office/drawing/2014/main" id="{D3D5A918-581C-DD41-B3AA-3340EF0F16A2}"/>
+              </a:ext>
+            </a:extLst>
+          </p:cNvPr>
+          <p:cNvSpPr/>
+          <p:nvPr/>
+        </p:nvSpPr>
+        <p:spPr>
+          <a:xfrm>
+            <a:off x="9058657" y="2589273"/>
+            <a:ext cx="898043" cy="1864105"/>
+          </a:xfrm>
+          <a:prstGeom prst="rect">
+            <a:avLst/>
+          </a:prstGeom>
+          <a:noFill/>
+          <a:ln w="22225">
+            <a:solidFill>
+              <a:srgbClr val="D9222A"/>
+            </a:solidFill>
+          </a:ln>
+        </p:spPr>
+        <p:style>
+          <a:lnRef idx="2">
+            <a:schemeClr val="accent1">
+              <a:shade val="50000"/>
+            </a:schemeClr>
+          </a:lnRef>
+          <a:fillRef idx="1">
+            <a:schemeClr val="accent1"/>
+          </a:fillRef>
+          <a:effectRef idx="0">
+            <a:schemeClr val="accent1"/>
+          </a:effectRef>
+          <a:fontRef idx="minor">
+            <a:schemeClr val="lt1"/>
+          </a:fontRef>
+        </p:style>
+        <p:txBody>
+          <a:bodyPr rtlCol="0" anchor="ctr"/>
+          <a:lstStyle/>
+          <a:p>
+            <a:pPr algn="ctr"/>
+            <a:endParaRPr kumimoji="1" lang="ja-JP" altLang="en-US"/>
+          </a:p>
+        </p:txBody>
+      </p:sp>
+      <p:sp>
+        <p:nvSpPr>
+          <p:cNvPr id="11" name="テキスト ボックス 10">
+            <a:extLst>
+              <a:ext uri="{FF2B5EF4-FFF2-40B4-BE49-F238E27FC236}">
+                <a16:creationId xmlns:a16="http://schemas.microsoft.com/office/drawing/2014/main" id="{1DF3F2F4-5F7B-0745-A69A-DDB969F9E944}"/>
+              </a:ext>
+            </a:extLst>
+          </p:cNvPr>
+          <p:cNvSpPr txBox="1"/>
+          <p:nvPr/>
+        </p:nvSpPr>
+        <p:spPr>
+          <a:xfrm>
+            <a:off x="9834568" y="4084062"/>
+            <a:ext cx="667170" cy="369332"/>
+          </a:xfrm>
+          <a:prstGeom prst="rect">
+            <a:avLst/>
+          </a:prstGeom>
+          <a:solidFill>
+            <a:srgbClr val="FFFFFF">
+              <a:alpha val="75000"/>
+            </a:srgbClr>
+          </a:solidFill>
+        </p:spPr>
+        <p:txBody>
+          <a:bodyPr wrap="none" rtlCol="0">
+            <a:spAutoFit/>
+          </a:bodyPr>
+          <a:lstStyle/>
+          <a:p>
+            <a:r>
+              <a:rPr kumimoji="1" lang="en-US" altLang="ja-JP" dirty="0">
+                <a:ln w="6350">
+                  <a:noFill/>
+                </a:ln>
+                <a:solidFill>
+                  <a:srgbClr val="D9222A"/>
+                </a:solidFill>
+                <a:latin typeface="Palatino" pitchFamily="2" charset="0"/>
+                <a:ea typeface="Palatino" pitchFamily="2" charset="0"/>
+              </a:rPr>
+              <a:t>60 %</a:t>
+            </a:r>
+            <a:endParaRPr kumimoji="1" lang="ja-JP" altLang="en-US">
+              <a:ln w="6350">
+                <a:noFill/>
+              </a:ln>
+              <a:solidFill>
+                <a:srgbClr val="D9222A"/>
               </a:solidFill>
               <a:latin typeface="Palatino" pitchFamily="2" charset="0"/>
               <a:ea typeface="FOT-ModeMinB Std B" panose="02020700000000000000" pitchFamily="18" charset="-128"/>

--- a/zu.pptx
+++ b/zu.pptx
@@ -6,6 +6,7 @@
   </p:sldMasterIdLst>
   <p:sldIdLst>
     <p:sldId id="257" r:id="rId2"/>
+    <p:sldId id="258" r:id="rId3"/>
   </p:sldIdLst>
   <p:sldSz cx="12192000" cy="6858000"/>
   <p:notesSz cx="6858000" cy="9144000"/>
@@ -270,7 +271,7 @@
           <a:p>
             <a:fld id="{1CB7560D-A852-9B4B-AB78-3EBD1FF5CAE1}" type="datetimeFigureOut">
               <a:rPr kumimoji="1" lang="ja-JP" altLang="en-US" smtClean="0"/>
-              <a:t>2021/8/10</a:t>
+              <a:t>2021/8/11</a:t>
             </a:fld>
             <a:endParaRPr kumimoji="1" lang="ja-JP" altLang="en-US"/>
           </a:p>
@@ -500,7 +501,7 @@
           <a:p>
             <a:fld id="{1CB7560D-A852-9B4B-AB78-3EBD1FF5CAE1}" type="datetimeFigureOut">
               <a:rPr kumimoji="1" lang="ja-JP" altLang="en-US" smtClean="0"/>
-              <a:t>2021/8/10</a:t>
+              <a:t>2021/8/11</a:t>
             </a:fld>
             <a:endParaRPr kumimoji="1" lang="ja-JP" altLang="en-US"/>
           </a:p>
@@ -740,7 +741,7 @@
           <a:p>
             <a:fld id="{1CB7560D-A852-9B4B-AB78-3EBD1FF5CAE1}" type="datetimeFigureOut">
               <a:rPr kumimoji="1" lang="ja-JP" altLang="en-US" smtClean="0"/>
-              <a:t>2021/8/10</a:t>
+              <a:t>2021/8/11</a:t>
             </a:fld>
             <a:endParaRPr kumimoji="1" lang="ja-JP" altLang="en-US"/>
           </a:p>
@@ -970,7 +971,7 @@
           <a:p>
             <a:fld id="{1CB7560D-A852-9B4B-AB78-3EBD1FF5CAE1}" type="datetimeFigureOut">
               <a:rPr kumimoji="1" lang="ja-JP" altLang="en-US" smtClean="0"/>
-              <a:t>2021/8/10</a:t>
+              <a:t>2021/8/11</a:t>
             </a:fld>
             <a:endParaRPr kumimoji="1" lang="ja-JP" altLang="en-US"/>
           </a:p>
@@ -1245,7 +1246,7 @@
           <a:p>
             <a:fld id="{1CB7560D-A852-9B4B-AB78-3EBD1FF5CAE1}" type="datetimeFigureOut">
               <a:rPr kumimoji="1" lang="ja-JP" altLang="en-US" smtClean="0"/>
-              <a:t>2021/8/10</a:t>
+              <a:t>2021/8/11</a:t>
             </a:fld>
             <a:endParaRPr kumimoji="1" lang="ja-JP" altLang="en-US"/>
           </a:p>
@@ -1574,7 +1575,7 @@
           <a:p>
             <a:fld id="{1CB7560D-A852-9B4B-AB78-3EBD1FF5CAE1}" type="datetimeFigureOut">
               <a:rPr kumimoji="1" lang="ja-JP" altLang="en-US" smtClean="0"/>
-              <a:t>2021/8/10</a:t>
+              <a:t>2021/8/11</a:t>
             </a:fld>
             <a:endParaRPr kumimoji="1" lang="ja-JP" altLang="en-US"/>
           </a:p>
@@ -2050,7 +2051,7 @@
           <a:p>
             <a:fld id="{1CB7560D-A852-9B4B-AB78-3EBD1FF5CAE1}" type="datetimeFigureOut">
               <a:rPr kumimoji="1" lang="ja-JP" altLang="en-US" smtClean="0"/>
-              <a:t>2021/8/10</a:t>
+              <a:t>2021/8/11</a:t>
             </a:fld>
             <a:endParaRPr kumimoji="1" lang="ja-JP" altLang="en-US"/>
           </a:p>
@@ -2191,7 +2192,7 @@
           <a:p>
             <a:fld id="{1CB7560D-A852-9B4B-AB78-3EBD1FF5CAE1}" type="datetimeFigureOut">
               <a:rPr kumimoji="1" lang="ja-JP" altLang="en-US" smtClean="0"/>
-              <a:t>2021/8/10</a:t>
+              <a:t>2021/8/11</a:t>
             </a:fld>
             <a:endParaRPr kumimoji="1" lang="ja-JP" altLang="en-US"/>
           </a:p>
@@ -2304,7 +2305,7 @@
           <a:p>
             <a:fld id="{1CB7560D-A852-9B4B-AB78-3EBD1FF5CAE1}" type="datetimeFigureOut">
               <a:rPr kumimoji="1" lang="ja-JP" altLang="en-US" smtClean="0"/>
-              <a:t>2021/8/10</a:t>
+              <a:t>2021/8/11</a:t>
             </a:fld>
             <a:endParaRPr kumimoji="1" lang="ja-JP" altLang="en-US"/>
           </a:p>
@@ -2647,7 +2648,7 @@
           <a:p>
             <a:fld id="{1CB7560D-A852-9B4B-AB78-3EBD1FF5CAE1}" type="datetimeFigureOut">
               <a:rPr kumimoji="1" lang="ja-JP" altLang="en-US" smtClean="0"/>
-              <a:t>2021/8/10</a:t>
+              <a:t>2021/8/11</a:t>
             </a:fld>
             <a:endParaRPr kumimoji="1" lang="ja-JP" altLang="en-US"/>
           </a:p>
@@ -2935,7 +2936,7 @@
           <a:p>
             <a:fld id="{1CB7560D-A852-9B4B-AB78-3EBD1FF5CAE1}" type="datetimeFigureOut">
               <a:rPr kumimoji="1" lang="ja-JP" altLang="en-US" smtClean="0"/>
-              <a:t>2021/8/10</a:t>
+              <a:t>2021/8/11</a:t>
             </a:fld>
             <a:endParaRPr kumimoji="1" lang="ja-JP" altLang="en-US"/>
           </a:p>
@@ -3208,7 +3209,7 @@
           <a:p>
             <a:fld id="{1CB7560D-A852-9B4B-AB78-3EBD1FF5CAE1}" type="datetimeFigureOut">
               <a:rPr kumimoji="1" lang="ja-JP" altLang="en-US" smtClean="0"/>
-              <a:t>2021/8/10</a:t>
+              <a:t>2021/8/11</a:t>
             </a:fld>
             <a:endParaRPr kumimoji="1" lang="ja-JP" altLang="en-US"/>
           </a:p>
@@ -3940,6 +3941,96 @@
           </a:p>
         </p:txBody>
       </p:sp>
+    </p:spTree>
+    <p:extLst>
+      <p:ext uri="{BB962C8B-B14F-4D97-AF65-F5344CB8AC3E}">
+        <p14:creationId xmlns:p14="http://schemas.microsoft.com/office/powerpoint/2010/main" val="1390346350"/>
+      </p:ext>
+    </p:extLst>
+  </p:cSld>
+  <p:clrMapOvr>
+    <a:masterClrMapping/>
+  </p:clrMapOvr>
+</p:sld>
+</file>
+
+<file path=ppt/slides/slide2.xml><?xml version="1.0" encoding="utf-8"?>
+<p:sld xmlns:a="http://schemas.openxmlformats.org/drawingml/2006/main" xmlns:r="http://schemas.openxmlformats.org/officeDocument/2006/relationships" xmlns:p="http://schemas.openxmlformats.org/presentationml/2006/main">
+  <p:cSld>
+    <p:spTree>
+      <p:nvGrpSpPr>
+        <p:cNvPr id="1" name=""/>
+        <p:cNvGrpSpPr/>
+        <p:nvPr/>
+      </p:nvGrpSpPr>
+      <p:grpSpPr>
+        <a:xfrm>
+          <a:off x="0" y="0"/>
+          <a:ext cx="0" cy="0"/>
+          <a:chOff x="0" y="0"/>
+          <a:chExt cx="0" cy="0"/>
+        </a:xfrm>
+      </p:grpSpPr>
+      <p:pic>
+        <p:nvPicPr>
+          <p:cNvPr id="5" name="図 4">
+            <a:extLst>
+              <a:ext uri="{FF2B5EF4-FFF2-40B4-BE49-F238E27FC236}">
+                <a16:creationId xmlns:a16="http://schemas.microsoft.com/office/drawing/2014/main" id="{577619D8-7E40-B347-ABB9-E47D9AFAB6CD}"/>
+              </a:ext>
+            </a:extLst>
+          </p:cNvPr>
+          <p:cNvPicPr>
+            <a:picLocks noChangeAspect="1"/>
+          </p:cNvPicPr>
+          <p:nvPr/>
+        </p:nvPicPr>
+        <p:blipFill>
+          <a:blip r:embed="rId2"/>
+          <a:stretch>
+            <a:fillRect/>
+          </a:stretch>
+        </p:blipFill>
+        <p:spPr>
+          <a:xfrm>
+            <a:off x="0" y="1645969"/>
+            <a:ext cx="6100433" cy="3566062"/>
+          </a:xfrm>
+          <a:prstGeom prst="rect">
+            <a:avLst/>
+          </a:prstGeom>
+        </p:spPr>
+      </p:pic>
+      <p:pic>
+        <p:nvPicPr>
+          <p:cNvPr id="7" name="図 6">
+            <a:extLst>
+              <a:ext uri="{FF2B5EF4-FFF2-40B4-BE49-F238E27FC236}">
+                <a16:creationId xmlns:a16="http://schemas.microsoft.com/office/drawing/2014/main" id="{DA6C1F20-4F8D-4147-8430-CE58DD730F7E}"/>
+              </a:ext>
+            </a:extLst>
+          </p:cNvPr>
+          <p:cNvPicPr>
+            <a:picLocks noChangeAspect="1"/>
+          </p:cNvPicPr>
+          <p:nvPr/>
+        </p:nvPicPr>
+        <p:blipFill>
+          <a:blip r:embed="rId3"/>
+          <a:stretch>
+            <a:fillRect/>
+          </a:stretch>
+        </p:blipFill>
+        <p:spPr>
+          <a:xfrm>
+            <a:off x="6008441" y="1645970"/>
+            <a:ext cx="6100432" cy="3566061"/>
+          </a:xfrm>
+          <a:prstGeom prst="rect">
+            <a:avLst/>
+          </a:prstGeom>
+        </p:spPr>
+      </p:pic>
       <p:sp>
         <p:nvSpPr>
           <p:cNvPr id="2" name="正方形/長方形 1">
@@ -3954,8 +4045,8 @@
         </p:nvSpPr>
         <p:spPr>
           <a:xfrm>
-            <a:off x="9058657" y="2589273"/>
-            <a:ext cx="898043" cy="1864105"/>
+            <a:off x="8724660" y="2589273"/>
+            <a:ext cx="1443493" cy="1864105"/>
           </a:xfrm>
           <a:prstGeom prst="rect">
             <a:avLst/>
@@ -3988,7 +4079,7 @@
           <a:lstStyle/>
           <a:p>
             <a:pPr algn="ctr"/>
-            <a:endParaRPr kumimoji="1" lang="ja-JP" altLang="en-US"/>
+            <a:endParaRPr kumimoji="1" lang="ja-JP" altLang="en-US" b="1"/>
           </a:p>
         </p:txBody>
       </p:sp>
@@ -4006,7 +4097,7 @@
         </p:nvSpPr>
         <p:spPr>
           <a:xfrm>
-            <a:off x="9834568" y="4084062"/>
+            <a:off x="9834568" y="4123674"/>
             <a:ext cx="667170" cy="369332"/>
           </a:xfrm>
           <a:prstGeom prst="rect">
@@ -4050,10 +4141,110 @@
           </a:p>
         </p:txBody>
       </p:sp>
+      <p:sp>
+        <p:nvSpPr>
+          <p:cNvPr id="12" name="正方形/長方形 11">
+            <a:extLst>
+              <a:ext uri="{FF2B5EF4-FFF2-40B4-BE49-F238E27FC236}">
+                <a16:creationId xmlns:a16="http://schemas.microsoft.com/office/drawing/2014/main" id="{FEB0E8B4-D80D-CD4C-9AB7-5467249446B4}"/>
+              </a:ext>
+            </a:extLst>
+          </p:cNvPr>
+          <p:cNvSpPr/>
+          <p:nvPr/>
+        </p:nvSpPr>
+        <p:spPr>
+          <a:xfrm>
+            <a:off x="2777491" y="2589273"/>
+            <a:ext cx="1443494" cy="1864105"/>
+          </a:xfrm>
+          <a:prstGeom prst="rect">
+            <a:avLst/>
+          </a:prstGeom>
+          <a:noFill/>
+          <a:ln w="22225">
+            <a:solidFill>
+              <a:srgbClr val="D9222A"/>
+            </a:solidFill>
+          </a:ln>
+        </p:spPr>
+        <p:style>
+          <a:lnRef idx="2">
+            <a:schemeClr val="accent1">
+              <a:shade val="50000"/>
+            </a:schemeClr>
+          </a:lnRef>
+          <a:fillRef idx="1">
+            <a:schemeClr val="accent1"/>
+          </a:fillRef>
+          <a:effectRef idx="0">
+            <a:schemeClr val="accent1"/>
+          </a:effectRef>
+          <a:fontRef idx="minor">
+            <a:schemeClr val="lt1"/>
+          </a:fontRef>
+        </p:style>
+        <p:txBody>
+          <a:bodyPr rtlCol="0" anchor="ctr"/>
+          <a:lstStyle/>
+          <a:p>
+            <a:pPr algn="ctr"/>
+            <a:endParaRPr kumimoji="1" lang="ja-JP" altLang="en-US" b="1"/>
+          </a:p>
+        </p:txBody>
+      </p:sp>
+      <p:sp>
+        <p:nvSpPr>
+          <p:cNvPr id="13" name="テキスト ボックス 12">
+            <a:extLst>
+              <a:ext uri="{FF2B5EF4-FFF2-40B4-BE49-F238E27FC236}">
+                <a16:creationId xmlns:a16="http://schemas.microsoft.com/office/drawing/2014/main" id="{892EDF6B-6E10-7E4A-B8C6-93576CCCAFA5}"/>
+              </a:ext>
+            </a:extLst>
+          </p:cNvPr>
+          <p:cNvSpPr txBox="1"/>
+          <p:nvPr/>
+        </p:nvSpPr>
+        <p:spPr>
+          <a:xfrm>
+            <a:off x="3751071" y="4123674"/>
+            <a:ext cx="877163" cy="369332"/>
+          </a:xfrm>
+          <a:prstGeom prst="rect">
+            <a:avLst/>
+          </a:prstGeom>
+          <a:solidFill>
+            <a:srgbClr val="FFFFFF">
+              <a:alpha val="75000"/>
+            </a:srgbClr>
+          </a:solidFill>
+        </p:spPr>
+        <p:txBody>
+          <a:bodyPr wrap="none" rtlCol="0">
+            <a:spAutoFit/>
+          </a:bodyPr>
+          <a:lstStyle/>
+          <a:p>
+            <a:r>
+              <a:rPr kumimoji="1" lang="ja-JP" altLang="en-US">
+                <a:ln w="6350">
+                  <a:noFill/>
+                </a:ln>
+                <a:solidFill>
+                  <a:srgbClr val="D9222A"/>
+                </a:solidFill>
+                <a:latin typeface="FOT-ModeMinBLarge Pro M" panose="02020400000000000000" pitchFamily="18" charset="-128"/>
+                <a:ea typeface="FOT-ModeMinBLarge Pro M" panose="02020400000000000000" pitchFamily="18" charset="-128"/>
+              </a:rPr>
+              <a:t>対流圏</a:t>
+            </a:r>
+          </a:p>
+        </p:txBody>
+      </p:sp>
     </p:spTree>
     <p:extLst>
       <p:ext uri="{BB962C8B-B14F-4D97-AF65-F5344CB8AC3E}">
-        <p14:creationId xmlns:p14="http://schemas.microsoft.com/office/powerpoint/2010/main" val="1390346350"/>
+        <p14:creationId xmlns:p14="http://schemas.microsoft.com/office/powerpoint/2010/main" val="57248390"/>
       </p:ext>
     </p:extLst>
   </p:cSld>
